--- a/Campus Map Update Presentation.pptx
+++ b/Campus Map Update Presentation.pptx
@@ -8,10 +8,8 @@
     <p:sldId id="256" r:id="rId2"/>
     <p:sldId id="257" r:id="rId3"/>
     <p:sldId id="261" r:id="rId4"/>
-    <p:sldId id="258" r:id="rId5"/>
-    <p:sldId id="259" r:id="rId6"/>
-    <p:sldId id="262" r:id="rId7"/>
-    <p:sldId id="263" r:id="rId8"/>
+    <p:sldId id="262" r:id="rId5"/>
+    <p:sldId id="263" r:id="rId6"/>
   </p:sldIdLst>
   <p:sldSz cx="12192000" cy="6858000"/>
   <p:notesSz cx="6858000" cy="9144000"/>
@@ -5465,7 +5463,19 @@
           <a:p>
             <a:r>
               <a:rPr lang="en-US" dirty="0" smtClean="0"/>
-              <a:t>What I’m Doing</a:t>
+              <a:t>What </a:t>
+            </a:r>
+            <a:r>
+              <a:rPr lang="en-US" dirty="0" smtClean="0"/>
+              <a:t>We’re</a:t>
+            </a:r>
+            <a:r>
+              <a:rPr lang="en-US" dirty="0" smtClean="0"/>
+              <a:t> </a:t>
+            </a:r>
+            <a:r>
+              <a:rPr lang="en-US" dirty="0" smtClean="0"/>
+              <a:t>Doing</a:t>
             </a:r>
             <a:endParaRPr lang="en-US" dirty="0"/>
           </a:p>
@@ -5494,13 +5504,18 @@
           <a:p>
             <a:r>
               <a:rPr lang="en-US" dirty="0" smtClean="0"/>
-              <a:t>Working on adding classroom location functionality to YACS</a:t>
-            </a:r>
-          </a:p>
-          <a:p>
+              <a:t>Working on adding classroom location functionality </a:t>
+            </a:r>
             <a:r>
               <a:rPr lang="en-US" dirty="0" smtClean="0"/>
-              <a:t>Integrate map with YACS to locate classrooms for next semester</a:t>
+              <a:t>to this map</a:t>
+            </a:r>
+          </a:p>
+          <a:p>
+            <a:pPr lvl="1"/>
+            <a:r>
+              <a:rPr lang="en-US" dirty="0" smtClean="0"/>
+              <a:t>maybe YACS?</a:t>
             </a:r>
             <a:endParaRPr lang="en-US" dirty="0"/>
           </a:p>
@@ -5553,7 +5568,7 @@
           <a:p>
             <a:r>
               <a:rPr lang="en-US" dirty="0" smtClean="0"/>
-              <a:t>Emailed Peter Fox</a:t>
+              <a:t>What We’ve Done</a:t>
             </a:r>
             <a:endParaRPr lang="en-US" dirty="0"/>
           </a:p>
@@ -5576,13 +5591,19 @@
           <a:p>
             <a:r>
               <a:rPr lang="en-US" dirty="0" smtClean="0"/>
-              <a:t>Talked with Professor Fox in the ITWS department who connected me with a CS grad student with the source code</a:t>
+              <a:t>We have source code!</a:t>
             </a:r>
           </a:p>
           <a:p>
             <a:r>
               <a:rPr lang="en-US" dirty="0" smtClean="0"/>
-              <a:t>He’s excited about this</a:t>
+              <a:t>Documentation</a:t>
+            </a:r>
+          </a:p>
+          <a:p>
+            <a:r>
+              <a:rPr lang="en-US" dirty="0" smtClean="0"/>
+              <a:t>Mock Ups </a:t>
             </a:r>
             <a:endParaRPr lang="en-US" dirty="0"/>
           </a:p>
@@ -5635,7 +5656,7 @@
           <a:p>
             <a:r>
               <a:rPr lang="en-US" dirty="0" smtClean="0"/>
-              <a:t>Map.rpi.edu</a:t>
+              <a:t>What’s Next</a:t>
             </a:r>
             <a:endParaRPr lang="en-US" dirty="0"/>
           </a:p>
@@ -5656,225 +5677,28 @@
           <a:bodyPr/>
           <a:lstStyle/>
           <a:p>
+            <a:endParaRPr lang="en-US" dirty="0" smtClean="0"/>
+          </a:p>
+          <a:p>
             <a:r>
               <a:rPr lang="en-US" dirty="0" smtClean="0"/>
-              <a:t>There is a version of this map that already exists</a:t>
+              <a:t>Implement Classrooms with Maps</a:t>
             </a:r>
           </a:p>
           <a:p>
             <a:r>
               <a:rPr lang="en-US" dirty="0" smtClean="0"/>
-              <a:t>Part of the </a:t>
-            </a:r>
-            <a:r>
-              <a:rPr lang="en-US" dirty="0" err="1" smtClean="0"/>
-              <a:t>Tetherless</a:t>
+              <a:t>Shortest path between buildings Google Maps API Algorithm</a:t>
+            </a:r>
+          </a:p>
+          <a:p>
+            <a:r>
+              <a:rPr lang="en-US" smtClean="0"/>
+              <a:t>Document all </a:t>
             </a:r>
             <a:r>
               <a:rPr lang="en-US" dirty="0" smtClean="0"/>
-              <a:t> World Project</a:t>
-            </a:r>
-          </a:p>
-          <a:p>
-            <a:r>
-              <a:rPr lang="en-US" dirty="0" smtClean="0"/>
-              <a:t>Needs updating (… and CSS?)</a:t>
-            </a:r>
-          </a:p>
-          <a:p>
-            <a:r>
-              <a:rPr lang="en-US" dirty="0" smtClean="0"/>
-              <a:t>Acquired source code</a:t>
-            </a:r>
-          </a:p>
-          <a:p>
-            <a:endParaRPr lang="en-US" dirty="0"/>
-          </a:p>
-        </p:txBody>
-      </p:sp>
-    </p:spTree>
-    <p:extLst>
-      <p:ext uri="{BB962C8B-B14F-4D97-AF65-F5344CB8AC3E}">
-        <p14:creationId xmlns:p14="http://schemas.microsoft.com/office/powerpoint/2010/main" val="2825001752"/>
-      </p:ext>
-    </p:extLst>
-  </p:cSld>
-  <p:clrMapOvr>
-    <a:masterClrMapping/>
-  </p:clrMapOvr>
-</p:sld>
-</file>
-
-<file path=ppt/slides/slide5.xml><?xml version="1.0" encoding="utf-8"?>
-<p:sld xmlns:a="http://schemas.openxmlformats.org/drawingml/2006/main" xmlns:r="http://schemas.openxmlformats.org/officeDocument/2006/relationships" xmlns:p="http://schemas.openxmlformats.org/presentationml/2006/main">
-  <p:cSld>
-    <p:spTree>
-      <p:nvGrpSpPr>
-        <p:cNvPr id="1" name=""/>
-        <p:cNvGrpSpPr/>
-        <p:nvPr/>
-      </p:nvGrpSpPr>
-      <p:grpSpPr>
-        <a:xfrm>
-          <a:off x="0" y="0"/>
-          <a:ext cx="0" cy="0"/>
-          <a:chOff x="0" y="0"/>
-          <a:chExt cx="0" cy="0"/>
-        </a:xfrm>
-      </p:grpSpPr>
-      <p:sp>
-        <p:nvSpPr>
-          <p:cNvPr id="2" name="Title 1"/>
-          <p:cNvSpPr>
-            <a:spLocks noGrp="1"/>
-          </p:cNvSpPr>
-          <p:nvPr>
-            <p:ph type="title"/>
-          </p:nvPr>
-        </p:nvSpPr>
-        <p:spPr/>
-        <p:txBody>
-          <a:bodyPr/>
-          <a:lstStyle/>
-          <a:p>
-            <a:r>
-              <a:rPr lang="en-US" dirty="0" smtClean="0"/>
-              <a:t>Talked to YACS about their API</a:t>
-            </a:r>
-            <a:endParaRPr lang="en-US" dirty="0"/>
-          </a:p>
-        </p:txBody>
-      </p:sp>
-      <p:sp>
-        <p:nvSpPr>
-          <p:cNvPr id="3" name="Content Placeholder 2"/>
-          <p:cNvSpPr>
-            <a:spLocks noGrp="1"/>
-          </p:cNvSpPr>
-          <p:nvPr>
-            <p:ph idx="1"/>
-          </p:nvPr>
-        </p:nvSpPr>
-        <p:spPr/>
-        <p:txBody>
-          <a:bodyPr/>
-          <a:lstStyle/>
-          <a:p>
-            <a:r>
-              <a:rPr lang="en-US" dirty="0" smtClean="0"/>
-              <a:t>Asked YACS if they had access to the classrooms where classes are located on campus</a:t>
-            </a:r>
-          </a:p>
-          <a:p>
-            <a:pPr lvl="1"/>
-            <a:r>
-              <a:rPr lang="en-US" dirty="0" smtClean="0"/>
-              <a:t>…They didn’t</a:t>
-            </a:r>
-          </a:p>
-          <a:p>
-            <a:r>
-              <a:rPr lang="en-US" dirty="0" smtClean="0"/>
-              <a:t>But, they did help me figure out how to get </a:t>
-            </a:r>
-            <a:r>
-              <a:rPr lang="en-US" dirty="0" err="1" smtClean="0"/>
-              <a:t>accesss</a:t>
-            </a:r>
-            <a:endParaRPr lang="en-US" dirty="0" smtClean="0"/>
-          </a:p>
-          <a:p>
-            <a:r>
-              <a:rPr lang="en-US" dirty="0" smtClean="0"/>
-              <a:t>Want to integrate my project into YACS maybe</a:t>
-            </a:r>
-            <a:endParaRPr lang="en-US" dirty="0"/>
-          </a:p>
-        </p:txBody>
-      </p:sp>
-    </p:spTree>
-    <p:extLst>
-      <p:ext uri="{BB962C8B-B14F-4D97-AF65-F5344CB8AC3E}">
-        <p14:creationId xmlns:p14="http://schemas.microsoft.com/office/powerpoint/2010/main" val="1394965432"/>
-      </p:ext>
-    </p:extLst>
-  </p:cSld>
-  <p:clrMapOvr>
-    <a:masterClrMapping/>
-  </p:clrMapOvr>
-</p:sld>
-</file>
-
-<file path=ppt/slides/slide6.xml><?xml version="1.0" encoding="utf-8"?>
-<p:sld xmlns:a="http://schemas.openxmlformats.org/drawingml/2006/main" xmlns:r="http://schemas.openxmlformats.org/officeDocument/2006/relationships" xmlns:p="http://schemas.openxmlformats.org/presentationml/2006/main">
-  <p:cSld>
-    <p:spTree>
-      <p:nvGrpSpPr>
-        <p:cNvPr id="1" name=""/>
-        <p:cNvGrpSpPr/>
-        <p:nvPr/>
-      </p:nvGrpSpPr>
-      <p:grpSpPr>
-        <a:xfrm>
-          <a:off x="0" y="0"/>
-          <a:ext cx="0" cy="0"/>
-          <a:chOff x="0" y="0"/>
-          <a:chExt cx="0" cy="0"/>
-        </a:xfrm>
-      </p:grpSpPr>
-      <p:sp>
-        <p:nvSpPr>
-          <p:cNvPr id="2" name="Title 1"/>
-          <p:cNvSpPr>
-            <a:spLocks noGrp="1"/>
-          </p:cNvSpPr>
-          <p:nvPr>
-            <p:ph type="title"/>
-          </p:nvPr>
-        </p:nvSpPr>
-        <p:spPr/>
-        <p:txBody>
-          <a:bodyPr/>
-          <a:lstStyle/>
-          <a:p>
-            <a:r>
-              <a:rPr lang="en-US" dirty="0" smtClean="0"/>
-              <a:t>What’s Next</a:t>
-            </a:r>
-            <a:endParaRPr lang="en-US" dirty="0"/>
-          </a:p>
-        </p:txBody>
-      </p:sp>
-      <p:sp>
-        <p:nvSpPr>
-          <p:cNvPr id="3" name="Content Placeholder 2"/>
-          <p:cNvSpPr>
-            <a:spLocks noGrp="1"/>
-          </p:cNvSpPr>
-          <p:nvPr>
-            <p:ph idx="1"/>
-          </p:nvPr>
-        </p:nvSpPr>
-        <p:spPr/>
-        <p:txBody>
-          <a:bodyPr/>
-          <a:lstStyle/>
-          <a:p>
-            <a:r>
-              <a:rPr lang="en-US" dirty="0" smtClean="0"/>
-              <a:t>Look at the code in-depth</a:t>
-            </a:r>
-          </a:p>
-          <a:p>
-            <a:r>
-              <a:rPr lang="en-US" dirty="0" smtClean="0"/>
-              <a:t>Figure out how to use it</a:t>
-            </a:r>
-          </a:p>
-          <a:p>
-            <a:r>
-              <a:rPr lang="en-US" dirty="0" smtClean="0"/>
-              <a:t>Document my changes</a:t>
+              <a:t>changes</a:t>
             </a:r>
           </a:p>
           <a:p>
@@ -5905,7 +5729,7 @@
 </p:sld>
 </file>
 
-<file path=ppt/slides/slide7.xml><?xml version="1.0" encoding="utf-8"?>
+<file path=ppt/slides/slide5.xml><?xml version="1.0" encoding="utf-8"?>
 <p:sld xmlns:a="http://schemas.openxmlformats.org/drawingml/2006/main" xmlns:r="http://schemas.openxmlformats.org/officeDocument/2006/relationships" xmlns:p="http://schemas.openxmlformats.org/presentationml/2006/main">
   <p:cSld>
     <p:spTree>
